--- a/rocker_app/static/description/Rocker_Excel_Charts_Pivots_User_Guide.pptx
+++ b/rocker_app/static/description/Rocker_Excel_Charts_Pivots_User_Guide.pptx
@@ -16,15 +16,14 @@
     <p:sldId id="290" r:id="rId10"/>
     <p:sldId id="291" r:id="rId11"/>
     <p:sldId id="292" r:id="rId12"/>
-    <p:sldId id="293" r:id="rId13"/>
-    <p:sldId id="294" r:id="rId14"/>
-    <p:sldId id="295" r:id="rId15"/>
-    <p:sldId id="296" r:id="rId16"/>
-    <p:sldId id="297" r:id="rId17"/>
-    <p:sldId id="298" r:id="rId18"/>
-    <p:sldId id="299" r:id="rId19"/>
-    <p:sldId id="300" r:id="rId20"/>
-    <p:sldId id="301" r:id="rId21"/>
+    <p:sldId id="294" r:id="rId13"/>
+    <p:sldId id="295" r:id="rId14"/>
+    <p:sldId id="296" r:id="rId15"/>
+    <p:sldId id="297" r:id="rId16"/>
+    <p:sldId id="298" r:id="rId17"/>
+    <p:sldId id="299" r:id="rId18"/>
+    <p:sldId id="300" r:id="rId19"/>
+    <p:sldId id="301" r:id="rId20"/>
   </p:sldIdLst>
   <p:sldSz cx="12192000" cy="6858000"/>
   <p:notesSz cx="6858000" cy="9144000"/>
@@ -319,7 +318,7 @@
           <a:p>
             <a:fld id="{2BA53152-5DF5-4979-A537-0FE8AB80BD2D}" type="datetimeFigureOut">
               <a:rPr lang="fi-FI" smtClean="0"/>
-              <a:t>27.1.2021</a:t>
+              <a:t>28.1.2021</a:t>
             </a:fld>
             <a:endParaRPr lang="fi-FI"/>
           </a:p>
@@ -547,7 +546,7 @@
           <a:p>
             <a:fld id="{2BA53152-5DF5-4979-A537-0FE8AB80BD2D}" type="datetimeFigureOut">
               <a:rPr lang="fi-FI" smtClean="0"/>
-              <a:t>27.1.2021</a:t>
+              <a:t>28.1.2021</a:t>
             </a:fld>
             <a:endParaRPr lang="fi-FI"/>
           </a:p>
@@ -948,7 +947,7 @@
           <a:p>
             <a:fld id="{2BA53152-5DF5-4979-A537-0FE8AB80BD2D}" type="datetimeFigureOut">
               <a:rPr lang="fi-FI" smtClean="0"/>
-              <a:t>27.1.2021</a:t>
+              <a:t>28.1.2021</a:t>
             </a:fld>
             <a:endParaRPr lang="fi-FI"/>
           </a:p>
@@ -1284,7 +1283,7 @@
           <a:p>
             <a:fld id="{2BA53152-5DF5-4979-A537-0FE8AB80BD2D}" type="datetimeFigureOut">
               <a:rPr lang="fi-FI" smtClean="0"/>
-              <a:t>27.1.2021</a:t>
+              <a:t>28.1.2021</a:t>
             </a:fld>
             <a:endParaRPr lang="fi-FI"/>
           </a:p>
@@ -1604,7 +1603,7 @@
           <a:p>
             <a:fld id="{2BA53152-5DF5-4979-A537-0FE8AB80BD2D}" type="datetimeFigureOut">
               <a:rPr lang="fi-FI" smtClean="0"/>
-              <a:t>27.1.2021</a:t>
+              <a:t>28.1.2021</a:t>
             </a:fld>
             <a:endParaRPr lang="fi-FI"/>
           </a:p>
@@ -2000,7 +1999,7 @@
           <a:p>
             <a:fld id="{2BA53152-5DF5-4979-A537-0FE8AB80BD2D}" type="datetimeFigureOut">
               <a:rPr lang="fi-FI" smtClean="0"/>
-              <a:t>27.1.2021</a:t>
+              <a:t>28.1.2021</a:t>
             </a:fld>
             <a:endParaRPr lang="fi-FI"/>
           </a:p>
@@ -2257,7 +2256,7 @@
           <a:p>
             <a:fld id="{2BA53152-5DF5-4979-A537-0FE8AB80BD2D}" type="datetimeFigureOut">
               <a:rPr lang="fi-FI" smtClean="0"/>
-              <a:t>27.1.2021</a:t>
+              <a:t>28.1.2021</a:t>
             </a:fld>
             <a:endParaRPr lang="fi-FI"/>
           </a:p>
@@ -2519,7 +2518,7 @@
           <a:p>
             <a:fld id="{2BA53152-5DF5-4979-A537-0FE8AB80BD2D}" type="datetimeFigureOut">
               <a:rPr lang="fi-FI" smtClean="0"/>
-              <a:t>27.1.2021</a:t>
+              <a:t>28.1.2021</a:t>
             </a:fld>
             <a:endParaRPr lang="fi-FI"/>
           </a:p>
@@ -2781,7 +2780,7 @@
           <a:p>
             <a:fld id="{2BA53152-5DF5-4979-A537-0FE8AB80BD2D}" type="datetimeFigureOut">
               <a:rPr lang="fi-FI" smtClean="0"/>
-              <a:t>27.1.2021</a:t>
+              <a:t>28.1.2021</a:t>
             </a:fld>
             <a:endParaRPr lang="fi-FI"/>
           </a:p>
@@ -3035,7 +3034,7 @@
           <a:p>
             <a:fld id="{2BA53152-5DF5-4979-A537-0FE8AB80BD2D}" type="datetimeFigureOut">
               <a:rPr lang="fi-FI" smtClean="0"/>
-              <a:t>27.1.2021</a:t>
+              <a:t>28.1.2021</a:t>
             </a:fld>
             <a:endParaRPr lang="fi-FI"/>
           </a:p>
@@ -3358,7 +3357,7 @@
           <a:p>
             <a:fld id="{2BA53152-5DF5-4979-A537-0FE8AB80BD2D}" type="datetimeFigureOut">
               <a:rPr lang="fi-FI" smtClean="0"/>
-              <a:t>27.1.2021</a:t>
+              <a:t>28.1.2021</a:t>
             </a:fld>
             <a:endParaRPr lang="fi-FI"/>
           </a:p>
@@ -3815,7 +3814,7 @@
           <a:p>
             <a:fld id="{2BA53152-5DF5-4979-A537-0FE8AB80BD2D}" type="datetimeFigureOut">
               <a:rPr lang="fi-FI" smtClean="0"/>
-              <a:t>27.1.2021</a:t>
+              <a:t>28.1.2021</a:t>
             </a:fld>
             <a:endParaRPr lang="fi-FI"/>
           </a:p>
@@ -4024,7 +4023,7 @@
           <a:p>
             <a:fld id="{2BA53152-5DF5-4979-A537-0FE8AB80BD2D}" type="datetimeFigureOut">
               <a:rPr lang="fi-FI" smtClean="0"/>
-              <a:t>27.1.2021</a:t>
+              <a:t>28.1.2021</a:t>
             </a:fld>
             <a:endParaRPr lang="fi-FI"/>
           </a:p>
@@ -4126,7 +4125,7 @@
           <a:p>
             <a:fld id="{2BA53152-5DF5-4979-A537-0FE8AB80BD2D}" type="datetimeFigureOut">
               <a:rPr lang="fi-FI" smtClean="0"/>
-              <a:t>27.1.2021</a:t>
+              <a:t>28.1.2021</a:t>
             </a:fld>
             <a:endParaRPr lang="fi-FI"/>
           </a:p>
@@ -4459,7 +4458,7 @@
           <a:p>
             <a:fld id="{2BA53152-5DF5-4979-A537-0FE8AB80BD2D}" type="datetimeFigureOut">
               <a:rPr lang="fi-FI" smtClean="0"/>
-              <a:t>27.1.2021</a:t>
+              <a:t>28.1.2021</a:t>
             </a:fld>
             <a:endParaRPr lang="fi-FI"/>
           </a:p>
@@ -4804,7 +4803,7 @@
           <a:p>
             <a:fld id="{2BA53152-5DF5-4979-A537-0FE8AB80BD2D}" type="datetimeFigureOut">
               <a:rPr lang="fi-FI" smtClean="0"/>
-              <a:t>27.1.2021</a:t>
+              <a:t>28.1.2021</a:t>
             </a:fld>
             <a:endParaRPr lang="fi-FI"/>
           </a:p>
@@ -6921,7 +6920,7 @@
           <a:p>
             <a:fld id="{2BA53152-5DF5-4979-A537-0FE8AB80BD2D}" type="datetimeFigureOut">
               <a:rPr lang="fi-FI" smtClean="0"/>
-              <a:t>27.1.2021</a:t>
+              <a:t>28.1.2021</a:t>
             </a:fld>
             <a:endParaRPr lang="fi-FI"/>
           </a:p>
@@ -7886,271 +7885,6 @@
         </p:nvSpPr>
         <p:spPr>
           <a:xfrm flipH="1">
-            <a:off x="7895911" y="2833640"/>
-            <a:ext cx="1746917" cy="915651"/>
-          </a:xfrm>
-          <a:prstGeom prst="borderCallout1">
-            <a:avLst>
-              <a:gd name="adj1" fmla="val 112669"/>
-              <a:gd name="adj2" fmla="val 60524"/>
-              <a:gd name="adj3" fmla="val 241075"/>
-              <a:gd name="adj4" fmla="val 175278"/>
-            </a:avLst>
-          </a:prstGeom>
-          <a:solidFill>
-            <a:srgbClr val="FFFF00"/>
-          </a:solidFill>
-          <a:ln w="38100">
-            <a:solidFill>
-              <a:schemeClr val="tx1">
-                <a:lumMod val="95000"/>
-                <a:lumOff val="5000"/>
-              </a:schemeClr>
-            </a:solidFill>
-          </a:ln>
-        </p:spPr>
-        <p:style>
-          <a:lnRef idx="2">
-            <a:schemeClr val="accent1">
-              <a:shade val="50000"/>
-            </a:schemeClr>
-          </a:lnRef>
-          <a:fillRef idx="1">
-            <a:schemeClr val="accent1"/>
-          </a:fillRef>
-          <a:effectRef idx="0">
-            <a:schemeClr val="accent1"/>
-          </a:effectRef>
-          <a:fontRef idx="minor">
-            <a:schemeClr val="lt1"/>
-          </a:fontRef>
-        </p:style>
-        <p:txBody>
-          <a:bodyPr rtlCol="0" anchor="ctr"/>
-          <a:lstStyle/>
-          <a:p>
-            <a:pPr algn="ctr"/>
-            <a:r>
-              <a:rPr lang="fi-FI" sz="1400" dirty="0" err="1">
-                <a:solidFill>
-                  <a:schemeClr val="tx1"/>
-                </a:solidFill>
-              </a:rPr>
-              <a:t>Verify</a:t>
-            </a:r>
-            <a:r>
-              <a:rPr lang="fi-FI" sz="1400" dirty="0">
-                <a:solidFill>
-                  <a:schemeClr val="tx1"/>
-                </a:solidFill>
-              </a:rPr>
-              <a:t> </a:t>
-            </a:r>
-            <a:r>
-              <a:rPr lang="fi-FI" sz="1400" dirty="0" err="1">
-                <a:solidFill>
-                  <a:schemeClr val="tx1"/>
-                </a:solidFill>
-              </a:rPr>
-              <a:t>that</a:t>
-            </a:r>
-            <a:r>
-              <a:rPr lang="fi-FI" sz="1400" dirty="0">
-                <a:solidFill>
-                  <a:schemeClr val="tx1"/>
-                </a:solidFill>
-              </a:rPr>
-              <a:t> </a:t>
-            </a:r>
-            <a:r>
-              <a:rPr lang="fi-FI" sz="1400" dirty="0" err="1">
-                <a:solidFill>
-                  <a:schemeClr val="tx1"/>
-                </a:solidFill>
-              </a:rPr>
-              <a:t>Sheet</a:t>
-            </a:r>
-            <a:r>
-              <a:rPr lang="fi-FI" sz="1400" dirty="0">
-                <a:solidFill>
-                  <a:schemeClr val="tx1"/>
-                </a:solidFill>
-              </a:rPr>
-              <a:t> </a:t>
-            </a:r>
-            <a:r>
-              <a:rPr lang="fi-FI" sz="1400" dirty="0" err="1">
-                <a:solidFill>
-                  <a:schemeClr val="tx1"/>
-                </a:solidFill>
-              </a:rPr>
-              <a:t>names</a:t>
-            </a:r>
-            <a:r>
-              <a:rPr lang="fi-FI" sz="1400" dirty="0">
-                <a:solidFill>
-                  <a:schemeClr val="tx1"/>
-                </a:solidFill>
-              </a:rPr>
-              <a:t> </a:t>
-            </a:r>
-            <a:r>
-              <a:rPr lang="fi-FI" sz="1400" dirty="0" err="1">
-                <a:solidFill>
-                  <a:schemeClr val="tx1"/>
-                </a:solidFill>
-              </a:rPr>
-              <a:t>are</a:t>
-            </a:r>
-            <a:r>
-              <a:rPr lang="fi-FI" sz="1400" dirty="0">
-                <a:solidFill>
-                  <a:schemeClr val="tx1"/>
-                </a:solidFill>
-              </a:rPr>
-              <a:t> </a:t>
-            </a:r>
-            <a:r>
-              <a:rPr lang="fi-FI" sz="1400" dirty="0" err="1">
-                <a:solidFill>
-                  <a:schemeClr val="tx1"/>
-                </a:solidFill>
-              </a:rPr>
-              <a:t>unique</a:t>
-            </a:r>
-            <a:endParaRPr lang="en-US" sz="1400" dirty="0">
-              <a:solidFill>
-                <a:schemeClr val="tx1"/>
-              </a:solidFill>
-            </a:endParaRPr>
-          </a:p>
-        </p:txBody>
-      </p:sp>
-    </p:spTree>
-    <p:extLst>
-      <p:ext uri="{BB962C8B-B14F-4D97-AF65-F5344CB8AC3E}">
-        <p14:creationId xmlns:p14="http://schemas.microsoft.com/office/powerpoint/2010/main" val="3585505836"/>
-      </p:ext>
-    </p:extLst>
-  </p:cSld>
-  <p:clrMapOvr>
-    <a:masterClrMapping/>
-  </p:clrMapOvr>
-</p:sld>
-</file>
-
-<file path=ppt/slides/slide13.xml><?xml version="1.0" encoding="utf-8"?>
-<p:sld xmlns:a="http://schemas.openxmlformats.org/drawingml/2006/main" xmlns:r="http://schemas.openxmlformats.org/officeDocument/2006/relationships" xmlns:p="http://schemas.openxmlformats.org/presentationml/2006/main">
-  <p:cSld>
-    <p:spTree>
-      <p:nvGrpSpPr>
-        <p:cNvPr id="1" name=""/>
-        <p:cNvGrpSpPr/>
-        <p:nvPr/>
-      </p:nvGrpSpPr>
-      <p:grpSpPr>
-        <a:xfrm>
-          <a:off x="0" y="0"/>
-          <a:ext cx="0" cy="0"/>
-          <a:chOff x="0" y="0"/>
-          <a:chExt cx="0" cy="0"/>
-        </a:xfrm>
-      </p:grpSpPr>
-      <p:sp>
-        <p:nvSpPr>
-          <p:cNvPr id="4" name="Title 3">
-            <a:extLst>
-              <a:ext uri="{FF2B5EF4-FFF2-40B4-BE49-F238E27FC236}">
-                <a16:creationId xmlns:a16="http://schemas.microsoft.com/office/drawing/2014/main" id="{7B5D3DC9-440F-45B6-86EB-7351535F3AED}"/>
-              </a:ext>
-            </a:extLst>
-          </p:cNvPr>
-          <p:cNvSpPr>
-            <a:spLocks noGrp="1"/>
-          </p:cNvSpPr>
-          <p:nvPr>
-            <p:ph type="title"/>
-          </p:nvPr>
-        </p:nvSpPr>
-        <p:spPr/>
-        <p:txBody>
-          <a:bodyPr/>
-          <a:lstStyle/>
-          <a:p>
-            <a:r>
-              <a:rPr lang="fi-FI" dirty="0" err="1"/>
-              <a:t>Create</a:t>
-            </a:r>
-            <a:r>
-              <a:rPr lang="fi-FI" dirty="0"/>
-              <a:t> </a:t>
-            </a:r>
-            <a:r>
-              <a:rPr lang="fi-FI" dirty="0" err="1"/>
-              <a:t>collection</a:t>
-            </a:r>
-            <a:endParaRPr lang="en-US" dirty="0"/>
-          </a:p>
-        </p:txBody>
-      </p:sp>
-      <p:pic>
-        <p:nvPicPr>
-          <p:cNvPr id="6" name="Picture 5">
-            <a:extLst>
-              <a:ext uri="{FF2B5EF4-FFF2-40B4-BE49-F238E27FC236}">
-                <a16:creationId xmlns:a16="http://schemas.microsoft.com/office/drawing/2014/main" id="{1B1C29A2-3B41-45B8-BB37-807C3408488E}"/>
-              </a:ext>
-            </a:extLst>
-          </p:cNvPr>
-          <p:cNvPicPr>
-            <a:picLocks noChangeAspect="1"/>
-          </p:cNvPicPr>
-          <p:nvPr/>
-        </p:nvPicPr>
-        <p:blipFill>
-          <a:blip r:embed="rId2"/>
-          <a:stretch>
-            <a:fillRect/>
-          </a:stretch>
-        </p:blipFill>
-        <p:spPr>
-          <a:xfrm>
-            <a:off x="1575188" y="2043356"/>
-            <a:ext cx="8782570" cy="4341099"/>
-          </a:xfrm>
-          <a:prstGeom prst="rect">
-            <a:avLst/>
-          </a:prstGeom>
-        </p:spPr>
-        <p:style>
-          <a:lnRef idx="2">
-            <a:schemeClr val="dk1"/>
-          </a:lnRef>
-          <a:fillRef idx="1">
-            <a:schemeClr val="lt1"/>
-          </a:fillRef>
-          <a:effectRef idx="0">
-            <a:schemeClr val="dk1"/>
-          </a:effectRef>
-          <a:fontRef idx="minor">
-            <a:schemeClr val="dk1"/>
-          </a:fontRef>
-        </p:style>
-      </p:pic>
-      <p:sp>
-        <p:nvSpPr>
-          <p:cNvPr id="7" name="Callout: Line 6">
-            <a:extLst>
-              <a:ext uri="{FF2B5EF4-FFF2-40B4-BE49-F238E27FC236}">
-                <a16:creationId xmlns:a16="http://schemas.microsoft.com/office/drawing/2014/main" id="{BEDDA4B4-76A2-4710-A896-9614427FD512}"/>
-              </a:ext>
-            </a:extLst>
-          </p:cNvPr>
-          <p:cNvSpPr/>
-          <p:nvPr/>
-        </p:nvSpPr>
-        <p:spPr>
-          <a:xfrm flipH="1">
             <a:off x="7895910" y="2833640"/>
             <a:ext cx="3223846" cy="1411789"/>
           </a:xfrm>
@@ -8456,7 +8190,7 @@
 </p:sld>
 </file>
 
-<file path=ppt/slides/slide14.xml><?xml version="1.0" encoding="utf-8"?>
+<file path=ppt/slides/slide13.xml><?xml version="1.0" encoding="utf-8"?>
 <p:sld xmlns:a="http://schemas.openxmlformats.org/drawingml/2006/main" xmlns:r="http://schemas.openxmlformats.org/officeDocument/2006/relationships" xmlns:p="http://schemas.openxmlformats.org/presentationml/2006/main">
   <p:cSld>
     <p:spTree>
@@ -8893,7 +8627,7 @@
 </p:sld>
 </file>
 
-<file path=ppt/slides/slide15.xml><?xml version="1.0" encoding="utf-8"?>
+<file path=ppt/slides/slide14.xml><?xml version="1.0" encoding="utf-8"?>
 <p:sld xmlns:a="http://schemas.openxmlformats.org/drawingml/2006/main" xmlns:r="http://schemas.openxmlformats.org/officeDocument/2006/relationships" xmlns:p="http://schemas.openxmlformats.org/presentationml/2006/main">
   <p:cSld>
     <p:spTree>
@@ -9254,7 +8988,7 @@
 </p:sld>
 </file>
 
-<file path=ppt/slides/slide16.xml><?xml version="1.0" encoding="utf-8"?>
+<file path=ppt/slides/slide15.xml><?xml version="1.0" encoding="utf-8"?>
 <p:sld xmlns:a="http://schemas.openxmlformats.org/drawingml/2006/main" xmlns:r="http://schemas.openxmlformats.org/officeDocument/2006/relationships" xmlns:p="http://schemas.openxmlformats.org/presentationml/2006/main">
   <p:cSld>
     <p:spTree>
@@ -9717,7 +9451,7 @@
 </p:sld>
 </file>
 
-<file path=ppt/slides/slide17.xml><?xml version="1.0" encoding="utf-8"?>
+<file path=ppt/slides/slide16.xml><?xml version="1.0" encoding="utf-8"?>
 <p:sld xmlns:a="http://schemas.openxmlformats.org/drawingml/2006/main" xmlns:r="http://schemas.openxmlformats.org/officeDocument/2006/relationships" xmlns:p="http://schemas.openxmlformats.org/presentationml/2006/main">
   <p:cSld>
     <p:spTree>
@@ -9952,7 +9686,7 @@
 </p:sld>
 </file>
 
-<file path=ppt/slides/slide18.xml><?xml version="1.0" encoding="utf-8"?>
+<file path=ppt/slides/slide17.xml><?xml version="1.0" encoding="utf-8"?>
 <p:sld xmlns:a="http://schemas.openxmlformats.org/drawingml/2006/main" xmlns:r="http://schemas.openxmlformats.org/officeDocument/2006/relationships" xmlns:p="http://schemas.openxmlformats.org/presentationml/2006/main">
   <p:cSld>
     <p:spTree>
@@ -10036,7 +9770,7 @@
 </p:sld>
 </file>
 
-<file path=ppt/slides/slide19.xml><?xml version="1.0" encoding="utf-8"?>
+<file path=ppt/slides/slide18.xml><?xml version="1.0" encoding="utf-8"?>
 <p:sld xmlns:a="http://schemas.openxmlformats.org/drawingml/2006/main" xmlns:r="http://schemas.openxmlformats.org/officeDocument/2006/relationships" xmlns:p="http://schemas.openxmlformats.org/presentationml/2006/main">
   <p:cSld>
     <p:spTree>
@@ -10581,884 +10315,7 @@
 </p:sld>
 </file>
 
-<file path=ppt/slides/slide2.xml><?xml version="1.0" encoding="utf-8"?>
-<p:sld xmlns:a="http://schemas.openxmlformats.org/drawingml/2006/main" xmlns:r="http://schemas.openxmlformats.org/officeDocument/2006/relationships" xmlns:p="http://schemas.openxmlformats.org/presentationml/2006/main">
-  <p:cSld>
-    <p:spTree>
-      <p:nvGrpSpPr>
-        <p:cNvPr id="1" name=""/>
-        <p:cNvGrpSpPr/>
-        <p:nvPr/>
-      </p:nvGrpSpPr>
-      <p:grpSpPr>
-        <a:xfrm>
-          <a:off x="0" y="0"/>
-          <a:ext cx="0" cy="0"/>
-          <a:chOff x="0" y="0"/>
-          <a:chExt cx="0" cy="0"/>
-        </a:xfrm>
-      </p:grpSpPr>
-      <p:sp>
-        <p:nvSpPr>
-          <p:cNvPr id="5" name="Title 4">
-            <a:extLst>
-              <a:ext uri="{FF2B5EF4-FFF2-40B4-BE49-F238E27FC236}">
-                <a16:creationId xmlns:a16="http://schemas.microsoft.com/office/drawing/2014/main" id="{48605F82-63D3-40D8-AE42-89BB5F4FC50D}"/>
-              </a:ext>
-            </a:extLst>
-          </p:cNvPr>
-          <p:cNvSpPr>
-            <a:spLocks noGrp="1"/>
-          </p:cNvSpPr>
-          <p:nvPr>
-            <p:ph type="title"/>
-          </p:nvPr>
-        </p:nvSpPr>
-        <p:spPr/>
-        <p:txBody>
-          <a:bodyPr/>
-          <a:lstStyle/>
-          <a:p>
-            <a:r>
-              <a:rPr lang="fi-FI" dirty="0" err="1"/>
-              <a:t>Prereqs</a:t>
-            </a:r>
-            <a:endParaRPr lang="en-US" dirty="0"/>
-          </a:p>
-        </p:txBody>
-      </p:sp>
-      <p:sp>
-        <p:nvSpPr>
-          <p:cNvPr id="6" name="Content Placeholder 5">
-            <a:extLst>
-              <a:ext uri="{FF2B5EF4-FFF2-40B4-BE49-F238E27FC236}">
-                <a16:creationId xmlns:a16="http://schemas.microsoft.com/office/drawing/2014/main" id="{2BFF489D-3FAF-47E5-A549-17541CCF3122}"/>
-              </a:ext>
-            </a:extLst>
-          </p:cNvPr>
-          <p:cNvSpPr>
-            <a:spLocks noGrp="1"/>
-          </p:cNvSpPr>
-          <p:nvPr>
-            <p:ph idx="1"/>
-          </p:nvPr>
-        </p:nvSpPr>
-        <p:spPr/>
-        <p:txBody>
-          <a:bodyPr/>
-          <a:lstStyle/>
-          <a:p>
-            <a:r>
-              <a:rPr lang="fi-FI" dirty="0"/>
-              <a:t>pip3 </a:t>
-            </a:r>
-            <a:r>
-              <a:rPr lang="fi-FI" dirty="0" err="1"/>
-              <a:t>install</a:t>
-            </a:r>
-            <a:r>
-              <a:rPr lang="fi-FI" dirty="0"/>
-              <a:t> </a:t>
-            </a:r>
-            <a:r>
-              <a:rPr lang="fi-FI" dirty="0" err="1"/>
-              <a:t>openpyxl</a:t>
-            </a:r>
-            <a:endParaRPr lang="fi-FI" dirty="0"/>
-          </a:p>
-          <a:p>
-            <a:r>
-              <a:rPr lang="en-US" dirty="0"/>
-              <a:t>pip3 install pandas</a:t>
-            </a:r>
-          </a:p>
-          <a:p>
-            <a:r>
-              <a:rPr lang="en-US" dirty="0"/>
-              <a:t>Database drivers installed</a:t>
-            </a:r>
-          </a:p>
-        </p:txBody>
-      </p:sp>
-      <p:sp>
-        <p:nvSpPr>
-          <p:cNvPr id="4" name="Rectangle 3">
-            <a:extLst>
-              <a:ext uri="{FF2B5EF4-FFF2-40B4-BE49-F238E27FC236}">
-                <a16:creationId xmlns:a16="http://schemas.microsoft.com/office/drawing/2014/main" id="{56C8F1F4-D415-43C7-AA3D-06529142FC8E}"/>
-              </a:ext>
-            </a:extLst>
-          </p:cNvPr>
-          <p:cNvSpPr/>
-          <p:nvPr/>
-        </p:nvSpPr>
-        <p:spPr>
-          <a:xfrm>
-            <a:off x="7046912" y="2050287"/>
-            <a:ext cx="3120446" cy="3343794"/>
-          </a:xfrm>
-          <a:prstGeom prst="rect">
-            <a:avLst/>
-          </a:prstGeom>
-        </p:spPr>
-        <p:style>
-          <a:lnRef idx="2">
-            <a:schemeClr val="accent1">
-              <a:shade val="50000"/>
-            </a:schemeClr>
-          </a:lnRef>
-          <a:fillRef idx="1">
-            <a:schemeClr val="accent1"/>
-          </a:fillRef>
-          <a:effectRef idx="0">
-            <a:schemeClr val="accent1"/>
-          </a:effectRef>
-          <a:fontRef idx="minor">
-            <a:schemeClr val="lt1"/>
-          </a:fontRef>
-        </p:style>
-        <p:txBody>
-          <a:bodyPr rtlCol="0" anchor="ctr"/>
-          <a:lstStyle/>
-          <a:p>
-            <a:pPr algn="ctr"/>
-            <a:endParaRPr lang="fi-FI" dirty="0">
-              <a:ln w="0"/>
-              <a:solidFill>
-                <a:schemeClr val="tx1"/>
-              </a:solidFill>
-              <a:effectLst>
-                <a:outerShdw blurRad="38100" dist="19050" dir="2700000" algn="tl" rotWithShape="0">
-                  <a:schemeClr val="dk1">
-                    <a:alpha val="40000"/>
-                  </a:schemeClr>
-                </a:outerShdw>
-              </a:effectLst>
-            </a:endParaRPr>
-          </a:p>
-          <a:p>
-            <a:pPr algn="ctr"/>
-            <a:r>
-              <a:rPr lang="fi-FI" dirty="0" err="1">
-                <a:ln w="0"/>
-                <a:solidFill>
-                  <a:schemeClr val="tx1"/>
-                </a:solidFill>
-                <a:effectLst>
-                  <a:outerShdw blurRad="38100" dist="19050" dir="2700000" algn="tl" rotWithShape="0">
-                    <a:schemeClr val="dk1">
-                      <a:alpha val="40000"/>
-                    </a:schemeClr>
-                  </a:outerShdw>
-                </a:effectLst>
-              </a:rPr>
-              <a:t>Note</a:t>
-            </a:r>
-            <a:r>
-              <a:rPr lang="fi-FI" dirty="0">
-                <a:ln w="0"/>
-                <a:solidFill>
-                  <a:schemeClr val="tx1"/>
-                </a:solidFill>
-                <a:effectLst>
-                  <a:outerShdw blurRad="38100" dist="19050" dir="2700000" algn="tl" rotWithShape="0">
-                    <a:schemeClr val="dk1">
-                      <a:alpha val="40000"/>
-                    </a:schemeClr>
-                  </a:outerShdw>
-                </a:effectLst>
-              </a:rPr>
-              <a:t>:</a:t>
-            </a:r>
-          </a:p>
-          <a:p>
-            <a:pPr algn="ctr"/>
-            <a:r>
-              <a:rPr lang="fi-FI" dirty="0" err="1">
-                <a:ln w="0"/>
-                <a:solidFill>
-                  <a:schemeClr val="tx1"/>
-                </a:solidFill>
-                <a:effectLst>
-                  <a:outerShdw blurRad="38100" dist="19050" dir="2700000" algn="tl" rotWithShape="0">
-                    <a:schemeClr val="dk1">
-                      <a:alpha val="40000"/>
-                    </a:schemeClr>
-                  </a:outerShdw>
-                </a:effectLst>
-              </a:rPr>
-              <a:t>Normal</a:t>
-            </a:r>
-            <a:r>
-              <a:rPr lang="fi-FI" dirty="0">
-                <a:ln w="0"/>
-                <a:solidFill>
-                  <a:schemeClr val="tx1"/>
-                </a:solidFill>
-                <a:effectLst>
-                  <a:outerShdw blurRad="38100" dist="19050" dir="2700000" algn="tl" rotWithShape="0">
-                    <a:schemeClr val="dk1">
-                      <a:alpha val="40000"/>
-                    </a:schemeClr>
-                  </a:outerShdw>
-                </a:effectLst>
-              </a:rPr>
-              <a:t> </a:t>
-            </a:r>
-            <a:r>
-              <a:rPr lang="fi-FI" dirty="0" err="1">
-                <a:ln w="0"/>
-                <a:solidFill>
-                  <a:schemeClr val="tx1"/>
-                </a:solidFill>
-                <a:effectLst>
-                  <a:outerShdw blurRad="38100" dist="19050" dir="2700000" algn="tl" rotWithShape="0">
-                    <a:schemeClr val="dk1">
-                      <a:alpha val="40000"/>
-                    </a:schemeClr>
-                  </a:outerShdw>
-                </a:effectLst>
-              </a:rPr>
-              <a:t>table</a:t>
-            </a:r>
-            <a:r>
-              <a:rPr lang="fi-FI" dirty="0">
-                <a:ln w="0"/>
-                <a:solidFill>
-                  <a:schemeClr val="tx1"/>
-                </a:solidFill>
-                <a:effectLst>
-                  <a:outerShdw blurRad="38100" dist="19050" dir="2700000" algn="tl" rotWithShape="0">
-                    <a:schemeClr val="dk1">
-                      <a:alpha val="40000"/>
-                    </a:schemeClr>
-                  </a:outerShdw>
-                </a:effectLst>
-              </a:rPr>
-              <a:t> </a:t>
-            </a:r>
-            <a:r>
-              <a:rPr lang="fi-FI" dirty="0" err="1">
-                <a:ln w="0"/>
-                <a:solidFill>
-                  <a:schemeClr val="tx1"/>
-                </a:solidFill>
-                <a:effectLst>
-                  <a:outerShdw blurRad="38100" dist="19050" dir="2700000" algn="tl" rotWithShape="0">
-                    <a:schemeClr val="dk1">
-                      <a:alpha val="40000"/>
-                    </a:schemeClr>
-                  </a:outerShdw>
-                </a:effectLst>
-              </a:rPr>
-              <a:t>based</a:t>
-            </a:r>
-            <a:r>
-              <a:rPr lang="fi-FI" dirty="0">
-                <a:ln w="0"/>
-                <a:solidFill>
-                  <a:schemeClr val="tx1"/>
-                </a:solidFill>
-                <a:effectLst>
-                  <a:outerShdw blurRad="38100" dist="19050" dir="2700000" algn="tl" rotWithShape="0">
-                    <a:schemeClr val="dk1">
-                      <a:alpha val="40000"/>
-                    </a:schemeClr>
-                  </a:outerShdw>
-                </a:effectLst>
-              </a:rPr>
-              <a:t> </a:t>
-            </a:r>
-            <a:r>
-              <a:rPr lang="fi-FI" dirty="0" err="1">
-                <a:ln w="0"/>
-                <a:solidFill>
-                  <a:schemeClr val="tx1"/>
-                </a:solidFill>
-                <a:effectLst>
-                  <a:outerShdw blurRad="38100" dist="19050" dir="2700000" algn="tl" rotWithShape="0">
-                    <a:schemeClr val="dk1">
-                      <a:alpha val="40000"/>
-                    </a:schemeClr>
-                  </a:outerShdw>
-                </a:effectLst>
-              </a:rPr>
-              <a:t>charts</a:t>
-            </a:r>
-            <a:r>
-              <a:rPr lang="fi-FI" dirty="0">
-                <a:ln w="0"/>
-                <a:solidFill>
-                  <a:schemeClr val="tx1"/>
-                </a:solidFill>
-                <a:effectLst>
-                  <a:outerShdw blurRad="38100" dist="19050" dir="2700000" algn="tl" rotWithShape="0">
-                    <a:schemeClr val="dk1">
-                      <a:alpha val="40000"/>
-                    </a:schemeClr>
-                  </a:outerShdw>
-                </a:effectLst>
-              </a:rPr>
-              <a:t> </a:t>
-            </a:r>
-            <a:r>
-              <a:rPr lang="fi-FI" dirty="0" err="1">
-                <a:ln w="0"/>
-                <a:solidFill>
-                  <a:schemeClr val="tx1"/>
-                </a:solidFill>
-                <a:effectLst>
-                  <a:outerShdw blurRad="38100" dist="19050" dir="2700000" algn="tl" rotWithShape="0">
-                    <a:schemeClr val="dk1">
-                      <a:alpha val="40000"/>
-                    </a:schemeClr>
-                  </a:outerShdw>
-                </a:effectLst>
-              </a:rPr>
-              <a:t>don’t</a:t>
-            </a:r>
-            <a:r>
-              <a:rPr lang="fi-FI" dirty="0">
-                <a:ln w="0"/>
-                <a:solidFill>
-                  <a:schemeClr val="tx1"/>
-                </a:solidFill>
-                <a:effectLst>
-                  <a:outerShdw blurRad="38100" dist="19050" dir="2700000" algn="tl" rotWithShape="0">
-                    <a:schemeClr val="dk1">
-                      <a:alpha val="40000"/>
-                    </a:schemeClr>
-                  </a:outerShdw>
-                </a:effectLst>
-              </a:rPr>
-              <a:t> </a:t>
-            </a:r>
-            <a:r>
-              <a:rPr lang="fi-FI" dirty="0" err="1">
-                <a:ln w="0"/>
-                <a:solidFill>
-                  <a:schemeClr val="tx1"/>
-                </a:solidFill>
-                <a:effectLst>
-                  <a:outerShdw blurRad="38100" dist="19050" dir="2700000" algn="tl" rotWithShape="0">
-                    <a:schemeClr val="dk1">
-                      <a:alpha val="40000"/>
-                    </a:schemeClr>
-                  </a:outerShdw>
-                </a:effectLst>
-              </a:rPr>
-              <a:t>work</a:t>
-            </a:r>
-            <a:r>
-              <a:rPr lang="fi-FI" dirty="0">
-                <a:ln w="0"/>
-                <a:solidFill>
-                  <a:schemeClr val="tx1"/>
-                </a:solidFill>
-                <a:effectLst>
-                  <a:outerShdw blurRad="38100" dist="19050" dir="2700000" algn="tl" rotWithShape="0">
-                    <a:schemeClr val="dk1">
-                      <a:alpha val="40000"/>
-                    </a:schemeClr>
-                  </a:outerShdw>
-                </a:effectLst>
-              </a:rPr>
-              <a:t>. </a:t>
-            </a:r>
-            <a:r>
-              <a:rPr lang="fi-FI" dirty="0" err="1">
-                <a:ln w="0"/>
-                <a:solidFill>
-                  <a:schemeClr val="tx1"/>
-                </a:solidFill>
-                <a:effectLst>
-                  <a:outerShdw blurRad="38100" dist="19050" dir="2700000" algn="tl" rotWithShape="0">
-                    <a:schemeClr val="dk1">
-                      <a:alpha val="40000"/>
-                    </a:schemeClr>
-                  </a:outerShdw>
-                </a:effectLst>
-              </a:rPr>
-              <a:t>Openpyxl</a:t>
-            </a:r>
-            <a:r>
-              <a:rPr lang="fi-FI" dirty="0">
-                <a:ln w="0"/>
-                <a:solidFill>
-                  <a:schemeClr val="tx1"/>
-                </a:solidFill>
-                <a:effectLst>
-                  <a:outerShdw blurRad="38100" dist="19050" dir="2700000" algn="tl" rotWithShape="0">
-                    <a:schemeClr val="dk1">
-                      <a:alpha val="40000"/>
-                    </a:schemeClr>
-                  </a:outerShdw>
-                </a:effectLst>
-              </a:rPr>
-              <a:t> </a:t>
-            </a:r>
-            <a:r>
-              <a:rPr lang="fi-FI" dirty="0" err="1">
-                <a:ln w="0"/>
-                <a:solidFill>
-                  <a:schemeClr val="tx1"/>
-                </a:solidFill>
-                <a:effectLst>
-                  <a:outerShdw blurRad="38100" dist="19050" dir="2700000" algn="tl" rotWithShape="0">
-                    <a:schemeClr val="dk1">
-                      <a:alpha val="40000"/>
-                    </a:schemeClr>
-                  </a:outerShdw>
-                </a:effectLst>
-              </a:rPr>
-              <a:t>does</a:t>
-            </a:r>
-            <a:r>
-              <a:rPr lang="fi-FI" dirty="0">
-                <a:ln w="0"/>
-                <a:solidFill>
-                  <a:schemeClr val="tx1"/>
-                </a:solidFill>
-                <a:effectLst>
-                  <a:outerShdw blurRad="38100" dist="19050" dir="2700000" algn="tl" rotWithShape="0">
-                    <a:schemeClr val="dk1">
-                      <a:alpha val="40000"/>
-                    </a:schemeClr>
-                  </a:outerShdw>
-                </a:effectLst>
-              </a:rPr>
-              <a:t> </a:t>
-            </a:r>
-            <a:r>
-              <a:rPr lang="fi-FI" dirty="0" err="1">
-                <a:ln w="0"/>
-                <a:solidFill>
-                  <a:schemeClr val="tx1"/>
-                </a:solidFill>
-                <a:effectLst>
-                  <a:outerShdw blurRad="38100" dist="19050" dir="2700000" algn="tl" rotWithShape="0">
-                    <a:schemeClr val="dk1">
-                      <a:alpha val="40000"/>
-                    </a:schemeClr>
-                  </a:outerShdw>
-                </a:effectLst>
-              </a:rPr>
-              <a:t>not</a:t>
-            </a:r>
-            <a:r>
-              <a:rPr lang="fi-FI" dirty="0">
-                <a:ln w="0"/>
-                <a:solidFill>
-                  <a:schemeClr val="tx1"/>
-                </a:solidFill>
-                <a:effectLst>
-                  <a:outerShdw blurRad="38100" dist="19050" dir="2700000" algn="tl" rotWithShape="0">
-                    <a:schemeClr val="dk1">
-                      <a:alpha val="40000"/>
-                    </a:schemeClr>
-                  </a:outerShdw>
-                </a:effectLst>
-              </a:rPr>
-              <a:t> </a:t>
-            </a:r>
-            <a:r>
-              <a:rPr lang="fi-FI" dirty="0" err="1">
-                <a:ln w="0"/>
-                <a:solidFill>
-                  <a:schemeClr val="tx1"/>
-                </a:solidFill>
-                <a:effectLst>
-                  <a:outerShdw blurRad="38100" dist="19050" dir="2700000" algn="tl" rotWithShape="0">
-                    <a:schemeClr val="dk1">
-                      <a:alpha val="40000"/>
-                    </a:schemeClr>
-                  </a:outerShdw>
-                </a:effectLst>
-              </a:rPr>
-              <a:t>update</a:t>
-            </a:r>
-            <a:r>
-              <a:rPr lang="fi-FI" dirty="0">
-                <a:ln w="0"/>
-                <a:solidFill>
-                  <a:schemeClr val="tx1"/>
-                </a:solidFill>
-                <a:effectLst>
-                  <a:outerShdw blurRad="38100" dist="19050" dir="2700000" algn="tl" rotWithShape="0">
-                    <a:schemeClr val="dk1">
-                      <a:alpha val="40000"/>
-                    </a:schemeClr>
-                  </a:outerShdw>
-                </a:effectLst>
-              </a:rPr>
-              <a:t> </a:t>
-            </a:r>
-            <a:r>
-              <a:rPr lang="fi-FI" dirty="0" err="1">
-                <a:ln w="0"/>
-                <a:solidFill>
-                  <a:schemeClr val="tx1"/>
-                </a:solidFill>
-                <a:effectLst>
-                  <a:outerShdw blurRad="38100" dist="19050" dir="2700000" algn="tl" rotWithShape="0">
-                    <a:schemeClr val="dk1">
-                      <a:alpha val="40000"/>
-                    </a:schemeClr>
-                  </a:outerShdw>
-                </a:effectLst>
-              </a:rPr>
-              <a:t>chart</a:t>
-            </a:r>
-            <a:r>
-              <a:rPr lang="fi-FI" dirty="0">
-                <a:ln w="0"/>
-                <a:solidFill>
-                  <a:schemeClr val="tx1"/>
-                </a:solidFill>
-                <a:effectLst>
-                  <a:outerShdw blurRad="38100" dist="19050" dir="2700000" algn="tl" rotWithShape="0">
-                    <a:schemeClr val="dk1">
-                      <a:alpha val="40000"/>
-                    </a:schemeClr>
-                  </a:outerShdw>
-                </a:effectLst>
-              </a:rPr>
-              <a:t> </a:t>
-            </a:r>
-            <a:r>
-              <a:rPr lang="fi-FI" dirty="0" err="1">
-                <a:ln w="0"/>
-                <a:solidFill>
-                  <a:schemeClr val="tx1"/>
-                </a:solidFill>
-                <a:effectLst>
-                  <a:outerShdw blurRad="38100" dist="19050" dir="2700000" algn="tl" rotWithShape="0">
-                    <a:schemeClr val="dk1">
-                      <a:alpha val="40000"/>
-                    </a:schemeClr>
-                  </a:outerShdw>
-                </a:effectLst>
-              </a:rPr>
-              <a:t>references</a:t>
-            </a:r>
-            <a:endParaRPr lang="fi-FI" dirty="0">
-              <a:ln w="0"/>
-              <a:solidFill>
-                <a:schemeClr val="tx1"/>
-              </a:solidFill>
-              <a:effectLst>
-                <a:outerShdw blurRad="38100" dist="19050" dir="2700000" algn="tl" rotWithShape="0">
-                  <a:schemeClr val="dk1">
-                    <a:alpha val="40000"/>
-                  </a:schemeClr>
-                </a:outerShdw>
-              </a:effectLst>
-            </a:endParaRPr>
-          </a:p>
-          <a:p>
-            <a:pPr algn="ctr"/>
-            <a:endParaRPr lang="fi-FI" dirty="0">
-              <a:ln w="0"/>
-              <a:solidFill>
-                <a:schemeClr val="tx1"/>
-              </a:solidFill>
-              <a:effectLst>
-                <a:outerShdw blurRad="38100" dist="19050" dir="2700000" algn="tl" rotWithShape="0">
-                  <a:schemeClr val="dk1">
-                    <a:alpha val="40000"/>
-                  </a:schemeClr>
-                </a:outerShdw>
-              </a:effectLst>
-            </a:endParaRPr>
-          </a:p>
-          <a:p>
-            <a:pPr algn="ctr"/>
-            <a:r>
-              <a:rPr lang="fi-FI" dirty="0">
-                <a:ln w="0"/>
-                <a:solidFill>
-                  <a:schemeClr val="tx1"/>
-                </a:solidFill>
-                <a:effectLst>
-                  <a:outerShdw blurRad="38100" dist="19050" dir="2700000" algn="tl" rotWithShape="0">
-                    <a:schemeClr val="dk1">
-                      <a:alpha val="40000"/>
-                    </a:schemeClr>
-                  </a:outerShdw>
-                </a:effectLst>
-              </a:rPr>
-              <a:t>Excel </a:t>
-            </a:r>
-            <a:r>
-              <a:rPr lang="fi-FI" dirty="0" err="1">
-                <a:ln w="0"/>
-                <a:solidFill>
-                  <a:schemeClr val="tx1"/>
-                </a:solidFill>
-                <a:effectLst>
-                  <a:outerShdw blurRad="38100" dist="19050" dir="2700000" algn="tl" rotWithShape="0">
-                    <a:schemeClr val="dk1">
-                      <a:alpha val="40000"/>
-                    </a:schemeClr>
-                  </a:outerShdw>
-                </a:effectLst>
-              </a:rPr>
-              <a:t>charts</a:t>
-            </a:r>
-            <a:r>
-              <a:rPr lang="fi-FI" dirty="0">
-                <a:ln w="0"/>
-                <a:solidFill>
-                  <a:schemeClr val="tx1"/>
-                </a:solidFill>
-                <a:effectLst>
-                  <a:outerShdw blurRad="38100" dist="19050" dir="2700000" algn="tl" rotWithShape="0">
-                    <a:schemeClr val="dk1">
-                      <a:alpha val="40000"/>
-                    </a:schemeClr>
-                  </a:outerShdw>
-                </a:effectLst>
-              </a:rPr>
-              <a:t> </a:t>
-            </a:r>
-            <a:r>
-              <a:rPr lang="fi-FI" dirty="0" err="1">
-                <a:ln w="0"/>
-                <a:solidFill>
-                  <a:schemeClr val="tx1"/>
-                </a:solidFill>
-                <a:effectLst>
-                  <a:outerShdw blurRad="38100" dist="19050" dir="2700000" algn="tl" rotWithShape="0">
-                    <a:schemeClr val="dk1">
-                      <a:alpha val="40000"/>
-                    </a:schemeClr>
-                  </a:outerShdw>
-                </a:effectLst>
-              </a:rPr>
-              <a:t>must</a:t>
-            </a:r>
-            <a:r>
-              <a:rPr lang="fi-FI" dirty="0">
-                <a:ln w="0"/>
-                <a:solidFill>
-                  <a:schemeClr val="tx1"/>
-                </a:solidFill>
-                <a:effectLst>
-                  <a:outerShdw blurRad="38100" dist="19050" dir="2700000" algn="tl" rotWithShape="0">
-                    <a:schemeClr val="dk1">
-                      <a:alpha val="40000"/>
-                    </a:schemeClr>
-                  </a:outerShdw>
-                </a:effectLst>
-              </a:rPr>
-              <a:t> </a:t>
-            </a:r>
-            <a:r>
-              <a:rPr lang="fi-FI" dirty="0" err="1">
-                <a:ln w="0"/>
-                <a:solidFill>
-                  <a:schemeClr val="tx1"/>
-                </a:solidFill>
-                <a:effectLst>
-                  <a:outerShdw blurRad="38100" dist="19050" dir="2700000" algn="tl" rotWithShape="0">
-                    <a:schemeClr val="dk1">
-                      <a:alpha val="40000"/>
-                    </a:schemeClr>
-                  </a:outerShdw>
-                </a:effectLst>
-              </a:rPr>
-              <a:t>be</a:t>
-            </a:r>
-            <a:r>
-              <a:rPr lang="fi-FI" dirty="0">
-                <a:ln w="0"/>
-                <a:solidFill>
-                  <a:schemeClr val="tx1"/>
-                </a:solidFill>
-                <a:effectLst>
-                  <a:outerShdw blurRad="38100" dist="19050" dir="2700000" algn="tl" rotWithShape="0">
-                    <a:schemeClr val="dk1">
-                      <a:alpha val="40000"/>
-                    </a:schemeClr>
-                  </a:outerShdw>
-                </a:effectLst>
-              </a:rPr>
-              <a:t> </a:t>
-            </a:r>
-            <a:r>
-              <a:rPr lang="fi-FI" dirty="0" err="1">
-                <a:ln w="0"/>
-                <a:solidFill>
-                  <a:schemeClr val="tx1"/>
-                </a:solidFill>
-                <a:effectLst>
-                  <a:outerShdw blurRad="38100" dist="19050" dir="2700000" algn="tl" rotWithShape="0">
-                    <a:schemeClr val="dk1">
-                      <a:alpha val="40000"/>
-                    </a:schemeClr>
-                  </a:outerShdw>
-                </a:effectLst>
-              </a:rPr>
-              <a:t>build</a:t>
-            </a:r>
-            <a:r>
-              <a:rPr lang="fi-FI" dirty="0">
-                <a:ln w="0"/>
-                <a:solidFill>
-                  <a:schemeClr val="tx1"/>
-                </a:solidFill>
-                <a:effectLst>
-                  <a:outerShdw blurRad="38100" dist="19050" dir="2700000" algn="tl" rotWithShape="0">
-                    <a:schemeClr val="dk1">
-                      <a:alpha val="40000"/>
-                    </a:schemeClr>
-                  </a:outerShdw>
-                </a:effectLst>
-              </a:rPr>
-              <a:t> </a:t>
-            </a:r>
-            <a:r>
-              <a:rPr lang="fi-FI" dirty="0" err="1">
-                <a:ln w="0"/>
-                <a:solidFill>
-                  <a:schemeClr val="tx1"/>
-                </a:solidFill>
-                <a:effectLst>
-                  <a:outerShdw blurRad="38100" dist="19050" dir="2700000" algn="tl" rotWithShape="0">
-                    <a:schemeClr val="dk1">
-                      <a:alpha val="40000"/>
-                    </a:schemeClr>
-                  </a:outerShdw>
-                </a:effectLst>
-              </a:rPr>
-              <a:t>with</a:t>
-            </a:r>
-            <a:r>
-              <a:rPr lang="fi-FI" dirty="0">
-                <a:ln w="0"/>
-                <a:solidFill>
-                  <a:schemeClr val="tx1"/>
-                </a:solidFill>
-                <a:effectLst>
-                  <a:outerShdw blurRad="38100" dist="19050" dir="2700000" algn="tl" rotWithShape="0">
-                    <a:schemeClr val="dk1">
-                      <a:alpha val="40000"/>
-                    </a:schemeClr>
-                  </a:outerShdw>
-                </a:effectLst>
-              </a:rPr>
-              <a:t> </a:t>
-            </a:r>
-            <a:r>
-              <a:rPr lang="fi-FI" dirty="0" err="1">
-                <a:ln w="0"/>
-                <a:solidFill>
-                  <a:schemeClr val="tx1"/>
-                </a:solidFill>
-                <a:effectLst>
-                  <a:outerShdw blurRad="38100" dist="19050" dir="2700000" algn="tl" rotWithShape="0">
-                    <a:schemeClr val="dk1">
-                      <a:alpha val="40000"/>
-                    </a:schemeClr>
-                  </a:outerShdw>
-                </a:effectLst>
-              </a:rPr>
-              <a:t>Dynamic</a:t>
-            </a:r>
-            <a:r>
-              <a:rPr lang="fi-FI" dirty="0">
-                <a:ln w="0"/>
-                <a:solidFill>
-                  <a:schemeClr val="tx1"/>
-                </a:solidFill>
-                <a:effectLst>
-                  <a:outerShdw blurRad="38100" dist="19050" dir="2700000" algn="tl" rotWithShape="0">
-                    <a:schemeClr val="dk1">
-                      <a:alpha val="40000"/>
-                    </a:schemeClr>
-                  </a:outerShdw>
-                </a:effectLst>
-              </a:rPr>
-              <a:t> </a:t>
-            </a:r>
-            <a:r>
-              <a:rPr lang="fi-FI" dirty="0" err="1">
-                <a:ln w="0"/>
-                <a:solidFill>
-                  <a:schemeClr val="tx1"/>
-                </a:solidFill>
-                <a:effectLst>
-                  <a:outerShdw blurRad="38100" dist="19050" dir="2700000" algn="tl" rotWithShape="0">
-                    <a:schemeClr val="dk1">
-                      <a:alpha val="40000"/>
-                    </a:schemeClr>
-                  </a:outerShdw>
-                </a:effectLst>
-              </a:rPr>
-              <a:t>range</a:t>
-            </a:r>
-            <a:r>
-              <a:rPr lang="fi-FI" dirty="0">
-                <a:ln w="0"/>
-                <a:solidFill>
-                  <a:schemeClr val="tx1"/>
-                </a:solidFill>
-                <a:effectLst>
-                  <a:outerShdw blurRad="38100" dist="19050" dir="2700000" algn="tl" rotWithShape="0">
-                    <a:schemeClr val="dk1">
-                      <a:alpha val="40000"/>
-                    </a:schemeClr>
-                  </a:outerShdw>
-                </a:effectLst>
-              </a:rPr>
-              <a:t> </a:t>
-            </a:r>
-            <a:r>
-              <a:rPr lang="fi-FI" dirty="0" err="1">
-                <a:ln w="0"/>
-                <a:solidFill>
-                  <a:schemeClr val="tx1"/>
-                </a:solidFill>
-                <a:effectLst>
-                  <a:outerShdw blurRad="38100" dist="19050" dir="2700000" algn="tl" rotWithShape="0">
-                    <a:schemeClr val="dk1">
-                      <a:alpha val="40000"/>
-                    </a:schemeClr>
-                  </a:outerShdw>
-                </a:effectLst>
-              </a:rPr>
-              <a:t>names</a:t>
-            </a:r>
-            <a:endParaRPr lang="en-US" dirty="0">
-              <a:ln w="0"/>
-              <a:solidFill>
-                <a:schemeClr val="tx1"/>
-              </a:solidFill>
-              <a:effectLst>
-                <a:outerShdw blurRad="38100" dist="19050" dir="2700000" algn="tl" rotWithShape="0">
-                  <a:schemeClr val="dk1">
-                    <a:alpha val="40000"/>
-                  </a:schemeClr>
-                </a:outerShdw>
-              </a:effectLst>
-            </a:endParaRPr>
-          </a:p>
-        </p:txBody>
-      </p:sp>
-    </p:spTree>
-    <p:extLst>
-      <p:ext uri="{BB962C8B-B14F-4D97-AF65-F5344CB8AC3E}">
-        <p14:creationId xmlns:p14="http://schemas.microsoft.com/office/powerpoint/2010/main" val="1622096887"/>
-      </p:ext>
-    </p:extLst>
-  </p:cSld>
-  <p:clrMapOvr>
-    <a:masterClrMapping/>
-  </p:clrMapOvr>
-</p:sld>
-</file>
-
-<file path=ppt/slides/slide20.xml><?xml version="1.0" encoding="utf-8"?>
+<file path=ppt/slides/slide19.xml><?xml version="1.0" encoding="utf-8"?>
 <p:sld xmlns:a="http://schemas.openxmlformats.org/drawingml/2006/main" xmlns:r="http://schemas.openxmlformats.org/officeDocument/2006/relationships" xmlns:p="http://schemas.openxmlformats.org/presentationml/2006/main">
   <p:cSld>
     <p:spTree>
@@ -11570,6 +10427,883 @@
     <p:extLst>
       <p:ext uri="{BB962C8B-B14F-4D97-AF65-F5344CB8AC3E}">
         <p14:creationId xmlns:p14="http://schemas.microsoft.com/office/powerpoint/2010/main" val="4239699384"/>
+      </p:ext>
+    </p:extLst>
+  </p:cSld>
+  <p:clrMapOvr>
+    <a:masterClrMapping/>
+  </p:clrMapOvr>
+</p:sld>
+</file>
+
+<file path=ppt/slides/slide2.xml><?xml version="1.0" encoding="utf-8"?>
+<p:sld xmlns:a="http://schemas.openxmlformats.org/drawingml/2006/main" xmlns:r="http://schemas.openxmlformats.org/officeDocument/2006/relationships" xmlns:p="http://schemas.openxmlformats.org/presentationml/2006/main">
+  <p:cSld>
+    <p:spTree>
+      <p:nvGrpSpPr>
+        <p:cNvPr id="1" name=""/>
+        <p:cNvGrpSpPr/>
+        <p:nvPr/>
+      </p:nvGrpSpPr>
+      <p:grpSpPr>
+        <a:xfrm>
+          <a:off x="0" y="0"/>
+          <a:ext cx="0" cy="0"/>
+          <a:chOff x="0" y="0"/>
+          <a:chExt cx="0" cy="0"/>
+        </a:xfrm>
+      </p:grpSpPr>
+      <p:sp>
+        <p:nvSpPr>
+          <p:cNvPr id="5" name="Title 4">
+            <a:extLst>
+              <a:ext uri="{FF2B5EF4-FFF2-40B4-BE49-F238E27FC236}">
+                <a16:creationId xmlns:a16="http://schemas.microsoft.com/office/drawing/2014/main" id="{48605F82-63D3-40D8-AE42-89BB5F4FC50D}"/>
+              </a:ext>
+            </a:extLst>
+          </p:cNvPr>
+          <p:cNvSpPr>
+            <a:spLocks noGrp="1"/>
+          </p:cNvSpPr>
+          <p:nvPr>
+            <p:ph type="title"/>
+          </p:nvPr>
+        </p:nvSpPr>
+        <p:spPr/>
+        <p:txBody>
+          <a:bodyPr/>
+          <a:lstStyle/>
+          <a:p>
+            <a:r>
+              <a:rPr lang="fi-FI" dirty="0" err="1"/>
+              <a:t>Prereqs</a:t>
+            </a:r>
+            <a:endParaRPr lang="en-US" dirty="0"/>
+          </a:p>
+        </p:txBody>
+      </p:sp>
+      <p:sp>
+        <p:nvSpPr>
+          <p:cNvPr id="6" name="Content Placeholder 5">
+            <a:extLst>
+              <a:ext uri="{FF2B5EF4-FFF2-40B4-BE49-F238E27FC236}">
+                <a16:creationId xmlns:a16="http://schemas.microsoft.com/office/drawing/2014/main" id="{2BFF489D-3FAF-47E5-A549-17541CCF3122}"/>
+              </a:ext>
+            </a:extLst>
+          </p:cNvPr>
+          <p:cNvSpPr>
+            <a:spLocks noGrp="1"/>
+          </p:cNvSpPr>
+          <p:nvPr>
+            <p:ph idx="1"/>
+          </p:nvPr>
+        </p:nvSpPr>
+        <p:spPr/>
+        <p:txBody>
+          <a:bodyPr/>
+          <a:lstStyle/>
+          <a:p>
+            <a:r>
+              <a:rPr lang="fi-FI" dirty="0"/>
+              <a:t>pip3 </a:t>
+            </a:r>
+            <a:r>
+              <a:rPr lang="fi-FI" dirty="0" err="1"/>
+              <a:t>install</a:t>
+            </a:r>
+            <a:r>
+              <a:rPr lang="fi-FI" dirty="0"/>
+              <a:t> </a:t>
+            </a:r>
+            <a:r>
+              <a:rPr lang="fi-FI" dirty="0" err="1"/>
+              <a:t>openpyxl</a:t>
+            </a:r>
+            <a:endParaRPr lang="fi-FI" dirty="0"/>
+          </a:p>
+          <a:p>
+            <a:r>
+              <a:rPr lang="en-US" dirty="0"/>
+              <a:t>pip3 install pandas</a:t>
+            </a:r>
+          </a:p>
+          <a:p>
+            <a:r>
+              <a:rPr lang="en-US" dirty="0"/>
+              <a:t>Database drivers installed</a:t>
+            </a:r>
+          </a:p>
+        </p:txBody>
+      </p:sp>
+      <p:sp>
+        <p:nvSpPr>
+          <p:cNvPr id="4" name="Rectangle 3">
+            <a:extLst>
+              <a:ext uri="{FF2B5EF4-FFF2-40B4-BE49-F238E27FC236}">
+                <a16:creationId xmlns:a16="http://schemas.microsoft.com/office/drawing/2014/main" id="{56C8F1F4-D415-43C7-AA3D-06529142FC8E}"/>
+              </a:ext>
+            </a:extLst>
+          </p:cNvPr>
+          <p:cNvSpPr/>
+          <p:nvPr/>
+        </p:nvSpPr>
+        <p:spPr>
+          <a:xfrm>
+            <a:off x="7046912" y="2050287"/>
+            <a:ext cx="3120446" cy="3343794"/>
+          </a:xfrm>
+          <a:prstGeom prst="rect">
+            <a:avLst/>
+          </a:prstGeom>
+        </p:spPr>
+        <p:style>
+          <a:lnRef idx="2">
+            <a:schemeClr val="accent1">
+              <a:shade val="50000"/>
+            </a:schemeClr>
+          </a:lnRef>
+          <a:fillRef idx="1">
+            <a:schemeClr val="accent1"/>
+          </a:fillRef>
+          <a:effectRef idx="0">
+            <a:schemeClr val="accent1"/>
+          </a:effectRef>
+          <a:fontRef idx="minor">
+            <a:schemeClr val="lt1"/>
+          </a:fontRef>
+        </p:style>
+        <p:txBody>
+          <a:bodyPr rtlCol="0" anchor="ctr"/>
+          <a:lstStyle/>
+          <a:p>
+            <a:pPr algn="ctr"/>
+            <a:endParaRPr lang="fi-FI" dirty="0">
+              <a:ln w="0"/>
+              <a:solidFill>
+                <a:schemeClr val="tx1"/>
+              </a:solidFill>
+              <a:effectLst>
+                <a:outerShdw blurRad="38100" dist="19050" dir="2700000" algn="tl" rotWithShape="0">
+                  <a:schemeClr val="dk1">
+                    <a:alpha val="40000"/>
+                  </a:schemeClr>
+                </a:outerShdw>
+              </a:effectLst>
+            </a:endParaRPr>
+          </a:p>
+          <a:p>
+            <a:pPr algn="ctr"/>
+            <a:r>
+              <a:rPr lang="fi-FI" dirty="0" err="1">
+                <a:ln w="0"/>
+                <a:solidFill>
+                  <a:schemeClr val="tx1"/>
+                </a:solidFill>
+                <a:effectLst>
+                  <a:outerShdw blurRad="38100" dist="19050" dir="2700000" algn="tl" rotWithShape="0">
+                    <a:schemeClr val="dk1">
+                      <a:alpha val="40000"/>
+                    </a:schemeClr>
+                  </a:outerShdw>
+                </a:effectLst>
+              </a:rPr>
+              <a:t>Note</a:t>
+            </a:r>
+            <a:r>
+              <a:rPr lang="fi-FI" dirty="0">
+                <a:ln w="0"/>
+                <a:solidFill>
+                  <a:schemeClr val="tx1"/>
+                </a:solidFill>
+                <a:effectLst>
+                  <a:outerShdw blurRad="38100" dist="19050" dir="2700000" algn="tl" rotWithShape="0">
+                    <a:schemeClr val="dk1">
+                      <a:alpha val="40000"/>
+                    </a:schemeClr>
+                  </a:outerShdw>
+                </a:effectLst>
+              </a:rPr>
+              <a:t>:</a:t>
+            </a:r>
+          </a:p>
+          <a:p>
+            <a:pPr algn="ctr"/>
+            <a:r>
+              <a:rPr lang="fi-FI" dirty="0" err="1">
+                <a:ln w="0"/>
+                <a:solidFill>
+                  <a:schemeClr val="tx1"/>
+                </a:solidFill>
+                <a:effectLst>
+                  <a:outerShdw blurRad="38100" dist="19050" dir="2700000" algn="tl" rotWithShape="0">
+                    <a:schemeClr val="dk1">
+                      <a:alpha val="40000"/>
+                    </a:schemeClr>
+                  </a:outerShdw>
+                </a:effectLst>
+              </a:rPr>
+              <a:t>Normal</a:t>
+            </a:r>
+            <a:r>
+              <a:rPr lang="fi-FI" dirty="0">
+                <a:ln w="0"/>
+                <a:solidFill>
+                  <a:schemeClr val="tx1"/>
+                </a:solidFill>
+                <a:effectLst>
+                  <a:outerShdw blurRad="38100" dist="19050" dir="2700000" algn="tl" rotWithShape="0">
+                    <a:schemeClr val="dk1">
+                      <a:alpha val="40000"/>
+                    </a:schemeClr>
+                  </a:outerShdw>
+                </a:effectLst>
+              </a:rPr>
+              <a:t> </a:t>
+            </a:r>
+            <a:r>
+              <a:rPr lang="fi-FI" dirty="0" err="1">
+                <a:ln w="0"/>
+                <a:solidFill>
+                  <a:schemeClr val="tx1"/>
+                </a:solidFill>
+                <a:effectLst>
+                  <a:outerShdw blurRad="38100" dist="19050" dir="2700000" algn="tl" rotWithShape="0">
+                    <a:schemeClr val="dk1">
+                      <a:alpha val="40000"/>
+                    </a:schemeClr>
+                  </a:outerShdw>
+                </a:effectLst>
+              </a:rPr>
+              <a:t>table</a:t>
+            </a:r>
+            <a:r>
+              <a:rPr lang="fi-FI" dirty="0">
+                <a:ln w="0"/>
+                <a:solidFill>
+                  <a:schemeClr val="tx1"/>
+                </a:solidFill>
+                <a:effectLst>
+                  <a:outerShdw blurRad="38100" dist="19050" dir="2700000" algn="tl" rotWithShape="0">
+                    <a:schemeClr val="dk1">
+                      <a:alpha val="40000"/>
+                    </a:schemeClr>
+                  </a:outerShdw>
+                </a:effectLst>
+              </a:rPr>
+              <a:t> </a:t>
+            </a:r>
+            <a:r>
+              <a:rPr lang="fi-FI" dirty="0" err="1">
+                <a:ln w="0"/>
+                <a:solidFill>
+                  <a:schemeClr val="tx1"/>
+                </a:solidFill>
+                <a:effectLst>
+                  <a:outerShdw blurRad="38100" dist="19050" dir="2700000" algn="tl" rotWithShape="0">
+                    <a:schemeClr val="dk1">
+                      <a:alpha val="40000"/>
+                    </a:schemeClr>
+                  </a:outerShdw>
+                </a:effectLst>
+              </a:rPr>
+              <a:t>based</a:t>
+            </a:r>
+            <a:r>
+              <a:rPr lang="fi-FI" dirty="0">
+                <a:ln w="0"/>
+                <a:solidFill>
+                  <a:schemeClr val="tx1"/>
+                </a:solidFill>
+                <a:effectLst>
+                  <a:outerShdw blurRad="38100" dist="19050" dir="2700000" algn="tl" rotWithShape="0">
+                    <a:schemeClr val="dk1">
+                      <a:alpha val="40000"/>
+                    </a:schemeClr>
+                  </a:outerShdw>
+                </a:effectLst>
+              </a:rPr>
+              <a:t> </a:t>
+            </a:r>
+            <a:r>
+              <a:rPr lang="fi-FI" dirty="0" err="1">
+                <a:ln w="0"/>
+                <a:solidFill>
+                  <a:schemeClr val="tx1"/>
+                </a:solidFill>
+                <a:effectLst>
+                  <a:outerShdw blurRad="38100" dist="19050" dir="2700000" algn="tl" rotWithShape="0">
+                    <a:schemeClr val="dk1">
+                      <a:alpha val="40000"/>
+                    </a:schemeClr>
+                  </a:outerShdw>
+                </a:effectLst>
+              </a:rPr>
+              <a:t>charts</a:t>
+            </a:r>
+            <a:r>
+              <a:rPr lang="fi-FI" dirty="0">
+                <a:ln w="0"/>
+                <a:solidFill>
+                  <a:schemeClr val="tx1"/>
+                </a:solidFill>
+                <a:effectLst>
+                  <a:outerShdw blurRad="38100" dist="19050" dir="2700000" algn="tl" rotWithShape="0">
+                    <a:schemeClr val="dk1">
+                      <a:alpha val="40000"/>
+                    </a:schemeClr>
+                  </a:outerShdw>
+                </a:effectLst>
+              </a:rPr>
+              <a:t> </a:t>
+            </a:r>
+            <a:r>
+              <a:rPr lang="fi-FI" dirty="0" err="1">
+                <a:ln w="0"/>
+                <a:solidFill>
+                  <a:schemeClr val="tx1"/>
+                </a:solidFill>
+                <a:effectLst>
+                  <a:outerShdw blurRad="38100" dist="19050" dir="2700000" algn="tl" rotWithShape="0">
+                    <a:schemeClr val="dk1">
+                      <a:alpha val="40000"/>
+                    </a:schemeClr>
+                  </a:outerShdw>
+                </a:effectLst>
+              </a:rPr>
+              <a:t>don’t</a:t>
+            </a:r>
+            <a:r>
+              <a:rPr lang="fi-FI" dirty="0">
+                <a:ln w="0"/>
+                <a:solidFill>
+                  <a:schemeClr val="tx1"/>
+                </a:solidFill>
+                <a:effectLst>
+                  <a:outerShdw blurRad="38100" dist="19050" dir="2700000" algn="tl" rotWithShape="0">
+                    <a:schemeClr val="dk1">
+                      <a:alpha val="40000"/>
+                    </a:schemeClr>
+                  </a:outerShdw>
+                </a:effectLst>
+              </a:rPr>
+              <a:t> </a:t>
+            </a:r>
+            <a:r>
+              <a:rPr lang="fi-FI" dirty="0" err="1">
+                <a:ln w="0"/>
+                <a:solidFill>
+                  <a:schemeClr val="tx1"/>
+                </a:solidFill>
+                <a:effectLst>
+                  <a:outerShdw blurRad="38100" dist="19050" dir="2700000" algn="tl" rotWithShape="0">
+                    <a:schemeClr val="dk1">
+                      <a:alpha val="40000"/>
+                    </a:schemeClr>
+                  </a:outerShdw>
+                </a:effectLst>
+              </a:rPr>
+              <a:t>work</a:t>
+            </a:r>
+            <a:r>
+              <a:rPr lang="fi-FI" dirty="0">
+                <a:ln w="0"/>
+                <a:solidFill>
+                  <a:schemeClr val="tx1"/>
+                </a:solidFill>
+                <a:effectLst>
+                  <a:outerShdw blurRad="38100" dist="19050" dir="2700000" algn="tl" rotWithShape="0">
+                    <a:schemeClr val="dk1">
+                      <a:alpha val="40000"/>
+                    </a:schemeClr>
+                  </a:outerShdw>
+                </a:effectLst>
+              </a:rPr>
+              <a:t>. </a:t>
+            </a:r>
+            <a:r>
+              <a:rPr lang="fi-FI" dirty="0" err="1">
+                <a:ln w="0"/>
+                <a:solidFill>
+                  <a:schemeClr val="tx1"/>
+                </a:solidFill>
+                <a:effectLst>
+                  <a:outerShdw blurRad="38100" dist="19050" dir="2700000" algn="tl" rotWithShape="0">
+                    <a:schemeClr val="dk1">
+                      <a:alpha val="40000"/>
+                    </a:schemeClr>
+                  </a:outerShdw>
+                </a:effectLst>
+              </a:rPr>
+              <a:t>Openpyxl</a:t>
+            </a:r>
+            <a:r>
+              <a:rPr lang="fi-FI" dirty="0">
+                <a:ln w="0"/>
+                <a:solidFill>
+                  <a:schemeClr val="tx1"/>
+                </a:solidFill>
+                <a:effectLst>
+                  <a:outerShdw blurRad="38100" dist="19050" dir="2700000" algn="tl" rotWithShape="0">
+                    <a:schemeClr val="dk1">
+                      <a:alpha val="40000"/>
+                    </a:schemeClr>
+                  </a:outerShdw>
+                </a:effectLst>
+              </a:rPr>
+              <a:t> </a:t>
+            </a:r>
+            <a:r>
+              <a:rPr lang="fi-FI" dirty="0" err="1">
+                <a:ln w="0"/>
+                <a:solidFill>
+                  <a:schemeClr val="tx1"/>
+                </a:solidFill>
+                <a:effectLst>
+                  <a:outerShdw blurRad="38100" dist="19050" dir="2700000" algn="tl" rotWithShape="0">
+                    <a:schemeClr val="dk1">
+                      <a:alpha val="40000"/>
+                    </a:schemeClr>
+                  </a:outerShdw>
+                </a:effectLst>
+              </a:rPr>
+              <a:t>does</a:t>
+            </a:r>
+            <a:r>
+              <a:rPr lang="fi-FI" dirty="0">
+                <a:ln w="0"/>
+                <a:solidFill>
+                  <a:schemeClr val="tx1"/>
+                </a:solidFill>
+                <a:effectLst>
+                  <a:outerShdw blurRad="38100" dist="19050" dir="2700000" algn="tl" rotWithShape="0">
+                    <a:schemeClr val="dk1">
+                      <a:alpha val="40000"/>
+                    </a:schemeClr>
+                  </a:outerShdw>
+                </a:effectLst>
+              </a:rPr>
+              <a:t> </a:t>
+            </a:r>
+            <a:r>
+              <a:rPr lang="fi-FI" dirty="0" err="1">
+                <a:ln w="0"/>
+                <a:solidFill>
+                  <a:schemeClr val="tx1"/>
+                </a:solidFill>
+                <a:effectLst>
+                  <a:outerShdw blurRad="38100" dist="19050" dir="2700000" algn="tl" rotWithShape="0">
+                    <a:schemeClr val="dk1">
+                      <a:alpha val="40000"/>
+                    </a:schemeClr>
+                  </a:outerShdw>
+                </a:effectLst>
+              </a:rPr>
+              <a:t>not</a:t>
+            </a:r>
+            <a:r>
+              <a:rPr lang="fi-FI" dirty="0">
+                <a:ln w="0"/>
+                <a:solidFill>
+                  <a:schemeClr val="tx1"/>
+                </a:solidFill>
+                <a:effectLst>
+                  <a:outerShdw blurRad="38100" dist="19050" dir="2700000" algn="tl" rotWithShape="0">
+                    <a:schemeClr val="dk1">
+                      <a:alpha val="40000"/>
+                    </a:schemeClr>
+                  </a:outerShdw>
+                </a:effectLst>
+              </a:rPr>
+              <a:t> </a:t>
+            </a:r>
+            <a:r>
+              <a:rPr lang="fi-FI" dirty="0" err="1">
+                <a:ln w="0"/>
+                <a:solidFill>
+                  <a:schemeClr val="tx1"/>
+                </a:solidFill>
+                <a:effectLst>
+                  <a:outerShdw blurRad="38100" dist="19050" dir="2700000" algn="tl" rotWithShape="0">
+                    <a:schemeClr val="dk1">
+                      <a:alpha val="40000"/>
+                    </a:schemeClr>
+                  </a:outerShdw>
+                </a:effectLst>
+              </a:rPr>
+              <a:t>update</a:t>
+            </a:r>
+            <a:r>
+              <a:rPr lang="fi-FI" dirty="0">
+                <a:ln w="0"/>
+                <a:solidFill>
+                  <a:schemeClr val="tx1"/>
+                </a:solidFill>
+                <a:effectLst>
+                  <a:outerShdw blurRad="38100" dist="19050" dir="2700000" algn="tl" rotWithShape="0">
+                    <a:schemeClr val="dk1">
+                      <a:alpha val="40000"/>
+                    </a:schemeClr>
+                  </a:outerShdw>
+                </a:effectLst>
+              </a:rPr>
+              <a:t> </a:t>
+            </a:r>
+            <a:r>
+              <a:rPr lang="fi-FI" dirty="0" err="1">
+                <a:ln w="0"/>
+                <a:solidFill>
+                  <a:schemeClr val="tx1"/>
+                </a:solidFill>
+                <a:effectLst>
+                  <a:outerShdw blurRad="38100" dist="19050" dir="2700000" algn="tl" rotWithShape="0">
+                    <a:schemeClr val="dk1">
+                      <a:alpha val="40000"/>
+                    </a:schemeClr>
+                  </a:outerShdw>
+                </a:effectLst>
+              </a:rPr>
+              <a:t>chart</a:t>
+            </a:r>
+            <a:r>
+              <a:rPr lang="fi-FI" dirty="0">
+                <a:ln w="0"/>
+                <a:solidFill>
+                  <a:schemeClr val="tx1"/>
+                </a:solidFill>
+                <a:effectLst>
+                  <a:outerShdw blurRad="38100" dist="19050" dir="2700000" algn="tl" rotWithShape="0">
+                    <a:schemeClr val="dk1">
+                      <a:alpha val="40000"/>
+                    </a:schemeClr>
+                  </a:outerShdw>
+                </a:effectLst>
+              </a:rPr>
+              <a:t> </a:t>
+            </a:r>
+            <a:r>
+              <a:rPr lang="fi-FI" dirty="0" err="1">
+                <a:ln w="0"/>
+                <a:solidFill>
+                  <a:schemeClr val="tx1"/>
+                </a:solidFill>
+                <a:effectLst>
+                  <a:outerShdw blurRad="38100" dist="19050" dir="2700000" algn="tl" rotWithShape="0">
+                    <a:schemeClr val="dk1">
+                      <a:alpha val="40000"/>
+                    </a:schemeClr>
+                  </a:outerShdw>
+                </a:effectLst>
+              </a:rPr>
+              <a:t>references</a:t>
+            </a:r>
+            <a:endParaRPr lang="fi-FI" dirty="0">
+              <a:ln w="0"/>
+              <a:solidFill>
+                <a:schemeClr val="tx1"/>
+              </a:solidFill>
+              <a:effectLst>
+                <a:outerShdw blurRad="38100" dist="19050" dir="2700000" algn="tl" rotWithShape="0">
+                  <a:schemeClr val="dk1">
+                    <a:alpha val="40000"/>
+                  </a:schemeClr>
+                </a:outerShdw>
+              </a:effectLst>
+            </a:endParaRPr>
+          </a:p>
+          <a:p>
+            <a:pPr algn="ctr"/>
+            <a:endParaRPr lang="fi-FI" dirty="0">
+              <a:ln w="0"/>
+              <a:solidFill>
+                <a:schemeClr val="tx1"/>
+              </a:solidFill>
+              <a:effectLst>
+                <a:outerShdw blurRad="38100" dist="19050" dir="2700000" algn="tl" rotWithShape="0">
+                  <a:schemeClr val="dk1">
+                    <a:alpha val="40000"/>
+                  </a:schemeClr>
+                </a:outerShdw>
+              </a:effectLst>
+            </a:endParaRPr>
+          </a:p>
+          <a:p>
+            <a:pPr algn="ctr"/>
+            <a:r>
+              <a:rPr lang="fi-FI" dirty="0">
+                <a:ln w="0"/>
+                <a:solidFill>
+                  <a:srgbClr val="FF0000"/>
+                </a:solidFill>
+                <a:effectLst>
+                  <a:outerShdw blurRad="38100" dist="19050" dir="2700000" algn="tl" rotWithShape="0">
+                    <a:schemeClr val="dk1">
+                      <a:alpha val="40000"/>
+                    </a:schemeClr>
+                  </a:outerShdw>
+                </a:effectLst>
+              </a:rPr>
+              <a:t>Excel </a:t>
+            </a:r>
+            <a:r>
+              <a:rPr lang="fi-FI" dirty="0" err="1">
+                <a:ln w="0"/>
+                <a:solidFill>
+                  <a:srgbClr val="FF0000"/>
+                </a:solidFill>
+                <a:effectLst>
+                  <a:outerShdw blurRad="38100" dist="19050" dir="2700000" algn="tl" rotWithShape="0">
+                    <a:schemeClr val="dk1">
+                      <a:alpha val="40000"/>
+                    </a:schemeClr>
+                  </a:outerShdw>
+                </a:effectLst>
+              </a:rPr>
+              <a:t>charts</a:t>
+            </a:r>
+            <a:r>
+              <a:rPr lang="fi-FI" dirty="0">
+                <a:ln w="0"/>
+                <a:solidFill>
+                  <a:srgbClr val="FF0000"/>
+                </a:solidFill>
+                <a:effectLst>
+                  <a:outerShdw blurRad="38100" dist="19050" dir="2700000" algn="tl" rotWithShape="0">
+                    <a:schemeClr val="dk1">
+                      <a:alpha val="40000"/>
+                    </a:schemeClr>
+                  </a:outerShdw>
+                </a:effectLst>
+              </a:rPr>
+              <a:t> </a:t>
+            </a:r>
+            <a:r>
+              <a:rPr lang="fi-FI" dirty="0" err="1">
+                <a:ln w="0"/>
+                <a:solidFill>
+                  <a:srgbClr val="FF0000"/>
+                </a:solidFill>
+                <a:effectLst>
+                  <a:outerShdw blurRad="38100" dist="19050" dir="2700000" algn="tl" rotWithShape="0">
+                    <a:schemeClr val="dk1">
+                      <a:alpha val="40000"/>
+                    </a:schemeClr>
+                  </a:outerShdw>
+                </a:effectLst>
+              </a:rPr>
+              <a:t>must</a:t>
+            </a:r>
+            <a:r>
+              <a:rPr lang="fi-FI" dirty="0">
+                <a:ln w="0"/>
+                <a:solidFill>
+                  <a:srgbClr val="FF0000"/>
+                </a:solidFill>
+                <a:effectLst>
+                  <a:outerShdw blurRad="38100" dist="19050" dir="2700000" algn="tl" rotWithShape="0">
+                    <a:schemeClr val="dk1">
+                      <a:alpha val="40000"/>
+                    </a:schemeClr>
+                  </a:outerShdw>
+                </a:effectLst>
+              </a:rPr>
+              <a:t> </a:t>
+            </a:r>
+            <a:r>
+              <a:rPr lang="fi-FI" dirty="0" err="1">
+                <a:ln w="0"/>
+                <a:solidFill>
+                  <a:srgbClr val="FF0000"/>
+                </a:solidFill>
+                <a:effectLst>
+                  <a:outerShdw blurRad="38100" dist="19050" dir="2700000" algn="tl" rotWithShape="0">
+                    <a:schemeClr val="dk1">
+                      <a:alpha val="40000"/>
+                    </a:schemeClr>
+                  </a:outerShdw>
+                </a:effectLst>
+              </a:rPr>
+              <a:t>be</a:t>
+            </a:r>
+            <a:r>
+              <a:rPr lang="fi-FI" dirty="0">
+                <a:ln w="0"/>
+                <a:solidFill>
+                  <a:srgbClr val="FF0000"/>
+                </a:solidFill>
+                <a:effectLst>
+                  <a:outerShdw blurRad="38100" dist="19050" dir="2700000" algn="tl" rotWithShape="0">
+                    <a:schemeClr val="dk1">
+                      <a:alpha val="40000"/>
+                    </a:schemeClr>
+                  </a:outerShdw>
+                </a:effectLst>
+              </a:rPr>
+              <a:t> </a:t>
+            </a:r>
+            <a:r>
+              <a:rPr lang="fi-FI" dirty="0" err="1">
+                <a:ln w="0"/>
+                <a:solidFill>
+                  <a:srgbClr val="FF0000"/>
+                </a:solidFill>
+                <a:effectLst>
+                  <a:outerShdw blurRad="38100" dist="19050" dir="2700000" algn="tl" rotWithShape="0">
+                    <a:schemeClr val="dk1">
+                      <a:alpha val="40000"/>
+                    </a:schemeClr>
+                  </a:outerShdw>
+                </a:effectLst>
+              </a:rPr>
+              <a:t>build</a:t>
+            </a:r>
+            <a:r>
+              <a:rPr lang="fi-FI" dirty="0">
+                <a:ln w="0"/>
+                <a:solidFill>
+                  <a:srgbClr val="FF0000"/>
+                </a:solidFill>
+                <a:effectLst>
+                  <a:outerShdw blurRad="38100" dist="19050" dir="2700000" algn="tl" rotWithShape="0">
+                    <a:schemeClr val="dk1">
+                      <a:alpha val="40000"/>
+                    </a:schemeClr>
+                  </a:outerShdw>
+                </a:effectLst>
+              </a:rPr>
+              <a:t> </a:t>
+            </a:r>
+            <a:r>
+              <a:rPr lang="fi-FI" dirty="0" err="1">
+                <a:ln w="0"/>
+                <a:solidFill>
+                  <a:srgbClr val="FF0000"/>
+                </a:solidFill>
+                <a:effectLst>
+                  <a:outerShdw blurRad="38100" dist="19050" dir="2700000" algn="tl" rotWithShape="0">
+                    <a:schemeClr val="dk1">
+                      <a:alpha val="40000"/>
+                    </a:schemeClr>
+                  </a:outerShdw>
+                </a:effectLst>
+              </a:rPr>
+              <a:t>with</a:t>
+            </a:r>
+            <a:r>
+              <a:rPr lang="fi-FI" dirty="0">
+                <a:ln w="0"/>
+                <a:solidFill>
+                  <a:srgbClr val="FF0000"/>
+                </a:solidFill>
+                <a:effectLst>
+                  <a:outerShdw blurRad="38100" dist="19050" dir="2700000" algn="tl" rotWithShape="0">
+                    <a:schemeClr val="dk1">
+                      <a:alpha val="40000"/>
+                    </a:schemeClr>
+                  </a:outerShdw>
+                </a:effectLst>
+              </a:rPr>
+              <a:t> </a:t>
+            </a:r>
+            <a:r>
+              <a:rPr lang="fi-FI" dirty="0" err="1">
+                <a:ln w="0"/>
+                <a:solidFill>
+                  <a:srgbClr val="FF0000"/>
+                </a:solidFill>
+                <a:effectLst>
+                  <a:outerShdw blurRad="38100" dist="19050" dir="2700000" algn="tl" rotWithShape="0">
+                    <a:schemeClr val="dk1">
+                      <a:alpha val="40000"/>
+                    </a:schemeClr>
+                  </a:outerShdw>
+                </a:effectLst>
+              </a:rPr>
+              <a:t>Dynamic</a:t>
+            </a:r>
+            <a:r>
+              <a:rPr lang="fi-FI" dirty="0">
+                <a:ln w="0"/>
+                <a:solidFill>
+                  <a:srgbClr val="FF0000"/>
+                </a:solidFill>
+                <a:effectLst>
+                  <a:outerShdw blurRad="38100" dist="19050" dir="2700000" algn="tl" rotWithShape="0">
+                    <a:schemeClr val="dk1">
+                      <a:alpha val="40000"/>
+                    </a:schemeClr>
+                  </a:outerShdw>
+                </a:effectLst>
+              </a:rPr>
+              <a:t> </a:t>
+            </a:r>
+            <a:r>
+              <a:rPr lang="fi-FI" dirty="0" err="1">
+                <a:ln w="0"/>
+                <a:solidFill>
+                  <a:srgbClr val="FF0000"/>
+                </a:solidFill>
+                <a:effectLst>
+                  <a:outerShdw blurRad="38100" dist="19050" dir="2700000" algn="tl" rotWithShape="0">
+                    <a:schemeClr val="dk1">
+                      <a:alpha val="40000"/>
+                    </a:schemeClr>
+                  </a:outerShdw>
+                </a:effectLst>
+              </a:rPr>
+              <a:t>range</a:t>
+            </a:r>
+            <a:r>
+              <a:rPr lang="fi-FI" dirty="0">
+                <a:ln w="0"/>
+                <a:solidFill>
+                  <a:srgbClr val="FF0000"/>
+                </a:solidFill>
+                <a:effectLst>
+                  <a:outerShdw blurRad="38100" dist="19050" dir="2700000" algn="tl" rotWithShape="0">
+                    <a:schemeClr val="dk1">
+                      <a:alpha val="40000"/>
+                    </a:schemeClr>
+                  </a:outerShdw>
+                </a:effectLst>
+              </a:rPr>
+              <a:t> </a:t>
+            </a:r>
+            <a:r>
+              <a:rPr lang="fi-FI" dirty="0" err="1">
+                <a:ln w="0"/>
+                <a:solidFill>
+                  <a:srgbClr val="FF0000"/>
+                </a:solidFill>
+                <a:effectLst>
+                  <a:outerShdw blurRad="38100" dist="19050" dir="2700000" algn="tl" rotWithShape="0">
+                    <a:schemeClr val="dk1">
+                      <a:alpha val="40000"/>
+                    </a:schemeClr>
+                  </a:outerShdw>
+                </a:effectLst>
+              </a:rPr>
+              <a:t>names</a:t>
+            </a:r>
+            <a:endParaRPr lang="en-US" dirty="0">
+              <a:ln w="0"/>
+              <a:solidFill>
+                <a:srgbClr val="FF0000"/>
+              </a:solidFill>
+              <a:effectLst>
+                <a:outerShdw blurRad="38100" dist="19050" dir="2700000" algn="tl" rotWithShape="0">
+                  <a:schemeClr val="dk1">
+                    <a:alpha val="40000"/>
+                  </a:schemeClr>
+                </a:outerShdw>
+              </a:effectLst>
+            </a:endParaRPr>
+          </a:p>
+        </p:txBody>
+      </p:sp>
+    </p:spTree>
+    <p:extLst>
+      <p:ext uri="{BB962C8B-B14F-4D97-AF65-F5344CB8AC3E}">
+        <p14:creationId xmlns:p14="http://schemas.microsoft.com/office/powerpoint/2010/main" val="1622096887"/>
       </p:ext>
     </p:extLst>
   </p:cSld>
